--- a/Chap/OOProg02/Presentations/FuncAsParam.pptx
+++ b/Chap/OOProg02/Presentations/FuncAsParam.pptx
@@ -282,7 +282,7 @@
           <a:p>
             <a:fld id="{E15B7D8E-2A20-4C0E-991C-872DBB7459A8}" type="datetimeFigureOut">
               <a:rPr lang="da-DK" smtClean="0"/>
-              <a:t>11-08-2022</a:t>
+              <a:t>26-08-2024</a:t>
             </a:fld>
             <a:endParaRPr lang="da-DK"/>
           </a:p>
@@ -450,7 +450,7 @@
           <a:p>
             <a:fld id="{E15B7D8E-2A20-4C0E-991C-872DBB7459A8}" type="datetimeFigureOut">
               <a:rPr lang="da-DK" smtClean="0"/>
-              <a:t>11-08-2022</a:t>
+              <a:t>26-08-2024</a:t>
             </a:fld>
             <a:endParaRPr lang="da-DK"/>
           </a:p>
@@ -628,7 +628,7 @@
           <a:p>
             <a:fld id="{E15B7D8E-2A20-4C0E-991C-872DBB7459A8}" type="datetimeFigureOut">
               <a:rPr lang="da-DK" smtClean="0"/>
-              <a:t>11-08-2022</a:t>
+              <a:t>26-08-2024</a:t>
             </a:fld>
             <a:endParaRPr lang="da-DK"/>
           </a:p>
@@ -796,7 +796,7 @@
           <a:p>
             <a:fld id="{E15B7D8E-2A20-4C0E-991C-872DBB7459A8}" type="datetimeFigureOut">
               <a:rPr lang="da-DK" smtClean="0"/>
-              <a:t>11-08-2022</a:t>
+              <a:t>26-08-2024</a:t>
             </a:fld>
             <a:endParaRPr lang="da-DK"/>
           </a:p>
@@ -1041,7 +1041,7 @@
           <a:p>
             <a:fld id="{E15B7D8E-2A20-4C0E-991C-872DBB7459A8}" type="datetimeFigureOut">
               <a:rPr lang="da-DK" smtClean="0"/>
-              <a:t>11-08-2022</a:t>
+              <a:t>26-08-2024</a:t>
             </a:fld>
             <a:endParaRPr lang="da-DK"/>
           </a:p>
@@ -1270,7 +1270,7 @@
           <a:p>
             <a:fld id="{E15B7D8E-2A20-4C0E-991C-872DBB7459A8}" type="datetimeFigureOut">
               <a:rPr lang="da-DK" smtClean="0"/>
-              <a:t>11-08-2022</a:t>
+              <a:t>26-08-2024</a:t>
             </a:fld>
             <a:endParaRPr lang="da-DK"/>
           </a:p>
@@ -1634,7 +1634,7 @@
           <a:p>
             <a:fld id="{E15B7D8E-2A20-4C0E-991C-872DBB7459A8}" type="datetimeFigureOut">
               <a:rPr lang="da-DK" smtClean="0"/>
-              <a:t>11-08-2022</a:t>
+              <a:t>26-08-2024</a:t>
             </a:fld>
             <a:endParaRPr lang="da-DK"/>
           </a:p>
@@ -1751,7 +1751,7 @@
           <a:p>
             <a:fld id="{E15B7D8E-2A20-4C0E-991C-872DBB7459A8}" type="datetimeFigureOut">
               <a:rPr lang="da-DK" smtClean="0"/>
-              <a:t>11-08-2022</a:t>
+              <a:t>26-08-2024</a:t>
             </a:fld>
             <a:endParaRPr lang="da-DK"/>
           </a:p>
@@ -1846,7 +1846,7 @@
           <a:p>
             <a:fld id="{E15B7D8E-2A20-4C0E-991C-872DBB7459A8}" type="datetimeFigureOut">
               <a:rPr lang="da-DK" smtClean="0"/>
-              <a:t>11-08-2022</a:t>
+              <a:t>26-08-2024</a:t>
             </a:fld>
             <a:endParaRPr lang="da-DK"/>
           </a:p>
@@ -2121,7 +2121,7 @@
           <a:p>
             <a:fld id="{E15B7D8E-2A20-4C0E-991C-872DBB7459A8}" type="datetimeFigureOut">
               <a:rPr lang="da-DK" smtClean="0"/>
-              <a:t>11-08-2022</a:t>
+              <a:t>26-08-2024</a:t>
             </a:fld>
             <a:endParaRPr lang="da-DK"/>
           </a:p>
@@ -2373,7 +2373,7 @@
           <a:p>
             <a:fld id="{E15B7D8E-2A20-4C0E-991C-872DBB7459A8}" type="datetimeFigureOut">
               <a:rPr lang="da-DK" smtClean="0"/>
-              <a:t>11-08-2022</a:t>
+              <a:t>26-08-2024</a:t>
             </a:fld>
             <a:endParaRPr lang="da-DK"/>
           </a:p>
@@ -2584,7 +2584,7 @@
           <a:p>
             <a:fld id="{E15B7D8E-2A20-4C0E-991C-872DBB7459A8}" type="datetimeFigureOut">
               <a:rPr lang="da-DK" smtClean="0"/>
-              <a:t>11-08-2022</a:t>
+              <a:t>26-08-2024</a:t>
             </a:fld>
             <a:endParaRPr lang="da-DK"/>
           </a:p>
@@ -7699,7 +7699,7 @@
                 </a:solidFill>
                 <a:latin typeface="Consolas" panose="020B0609020204030204" pitchFamily="49" charset="0"/>
               </a:rPr>
-              <a:t>// Lambda expression (anonymous function)</a:t>
+              <a:t>// Lambda expression (= anonymous function)</a:t>
             </a:r>
           </a:p>
           <a:p>
